--- a/Refrigerant_Report.pptx
+++ b/Refrigerant_Report.pptx
@@ -8381,7 +8381,7 @@
                       <a:r>
                         <a:rPr lang="en-US" altLang="zh-CN" sz="1200">
                           <a:solidFill>
-                            <a:srgbClr val="FF0000"/>
+                            <a:schemeClr val="tx1"/>
                           </a:solidFill>
                           <a:effectLst/>
                           <a:latin typeface="Times New Roman" panose="02020603050405020304" pitchFamily="18" charset="0"/>
@@ -8390,9 +8390,9 @@
                         </a:rPr>
                         <a:t>R134a</a:t>
                       </a:r>
-                      <a:endParaRPr lang="zh-CN" altLang="en-US" sz="1200" dirty="0">
+                      <a:endParaRPr lang="en-US" altLang="zh-CN" sz="1200" dirty="0">
                         <a:solidFill>
-                          <a:srgbClr val="FF0000"/>
+                          <a:schemeClr val="tx1"/>
                         </a:solidFill>
                         <a:effectLst/>
                         <a:latin typeface="Times New Roman" panose="02020603050405020304" pitchFamily="18" charset="0"/>
@@ -8462,7 +8462,7 @@
                       <a:r>
                         <a:rPr lang="en-US" altLang="zh-CN" sz="1200">
                           <a:solidFill>
-                            <a:srgbClr val="FF0000"/>
+                            <a:schemeClr val="tx1"/>
                           </a:solidFill>
                           <a:latin typeface="Times New Roman" panose="02020603050405020304" pitchFamily="18" charset="0"/>
                           <a:ea typeface="微软雅黑" panose="020B0503020204020204" charset="-122"/>
@@ -8470,9 +8470,9 @@
                         </a:rPr>
                         <a:t>140</a:t>
                       </a:r>
-                      <a:endParaRPr lang="zh-CN" altLang="en-US" sz="1200">
+                      <a:endParaRPr lang="en-US" altLang="zh-CN" sz="1200">
                         <a:solidFill>
-                          <a:srgbClr val="FF0000"/>
+                          <a:schemeClr val="tx1"/>
                         </a:solidFill>
                         <a:latin typeface="Times New Roman" panose="02020603050405020304" pitchFamily="18" charset="0"/>
                         <a:ea typeface="微软雅黑" panose="020B0503020204020204" charset="-122"/>
@@ -8541,7 +8541,7 @@
                       <a:r>
                         <a:rPr lang="en-US" altLang="zh-CN" sz="1200">
                           <a:solidFill>
-                            <a:srgbClr val="FF0000"/>
+                            <a:schemeClr val="tx1"/>
                           </a:solidFill>
                           <a:latin typeface="Times New Roman" panose="02020603050405020304" pitchFamily="18" charset="0"/>
                           <a:ea typeface="微软雅黑" panose="020B0503020204020204" charset="-122"/>
@@ -8549,9 +8549,9 @@
                         </a:rPr>
                         <a:t>12</a:t>
                       </a:r>
-                      <a:endParaRPr lang="zh-CN" altLang="en-US" sz="1200">
+                      <a:endParaRPr lang="en-US" altLang="zh-CN" sz="1200">
                         <a:solidFill>
-                          <a:srgbClr val="FF0000"/>
+                          <a:schemeClr val="tx1"/>
                         </a:solidFill>
                         <a:latin typeface="Times New Roman" panose="02020603050405020304" pitchFamily="18" charset="0"/>
                         <a:ea typeface="微软雅黑" panose="020B0503020204020204" charset="-122"/>
@@ -8620,7 +8620,7 @@
                       <a:r>
                         <a:rPr lang="en-US" altLang="zh-CN" sz="1200">
                           <a:solidFill>
-                            <a:srgbClr val="FF0000"/>
+                            <a:schemeClr val="tx1"/>
                           </a:solidFill>
                           <a:effectLst/>
                           <a:latin typeface="Times New Roman" panose="02020603050405020304" pitchFamily="18" charset="0"/>
@@ -8631,7 +8631,7 @@
                       </a:r>
                       <a:endParaRPr lang="en-US" altLang="zh-CN" sz="1200" dirty="0">
                         <a:solidFill>
-                          <a:srgbClr val="FF0000"/>
+                          <a:schemeClr val="tx1"/>
                         </a:solidFill>
                         <a:effectLst/>
                         <a:latin typeface="Times New Roman" panose="02020603050405020304" pitchFamily="18" charset="0"/>
@@ -8701,7 +8701,7 @@
                       <a:r>
                         <a:rPr lang="en-US" altLang="zh-CN" sz="1200">
                           <a:solidFill>
-                            <a:srgbClr val="FF0000"/>
+                            <a:schemeClr val="tx1"/>
                           </a:solidFill>
                           <a:effectLst/>
                           <a:latin typeface="Times New Roman" panose="02020603050405020304" pitchFamily="18" charset="0"/>
@@ -8712,7 +8712,7 @@
                       </a:r>
                       <a:endParaRPr lang="en-US" altLang="zh-CN" sz="1200">
                         <a:solidFill>
-                          <a:srgbClr val="FF0000"/>
+                          <a:schemeClr val="tx1"/>
                         </a:solidFill>
                         <a:effectLst/>
                         <a:latin typeface="Times New Roman" panose="02020603050405020304" pitchFamily="18" charset="0"/>
@@ -9414,7 +9414,7 @@
                       <a:r>
                         <a:rPr lang="en-US" altLang="zh-CN" sz="1400">
                           <a:solidFill>
-                            <a:srgbClr val="FF0000"/>
+                            <a:schemeClr val="tx1"/>
                           </a:solidFill>
                           <a:latin typeface="Times New Roman" panose="02020603050405020304" pitchFamily="18" charset="0"/>
                           <a:ea typeface="微软雅黑" panose="020B0503020204020204" charset="-122"/>
@@ -9422,9 +9422,9 @@
                         </a:rPr>
                         <a:t>0.3</a:t>
                       </a:r>
-                      <a:endParaRPr lang="zh-CN" altLang="en-US" sz="1400">
+                      <a:endParaRPr lang="en-US" altLang="zh-CN" sz="1400">
                         <a:solidFill>
-                          <a:srgbClr val="FF0000"/>
+                          <a:schemeClr val="tx1"/>
                         </a:solidFill>
                         <a:latin typeface="Times New Roman" panose="02020603050405020304" pitchFamily="18" charset="0"/>
                         <a:ea typeface="微软雅黑" panose="020B0503020204020204" charset="-122"/>
@@ -9443,7 +9443,7 @@
                       <a:r>
                         <a:rPr lang="en-US" altLang="zh-CN" sz="1400">
                           <a:solidFill>
-                            <a:srgbClr val="FF0000"/>
+                            <a:schemeClr val="tx1"/>
                           </a:solidFill>
                           <a:latin typeface="Times New Roman" panose="02020603050405020304" pitchFamily="18" charset="0"/>
                           <a:ea typeface="微软雅黑" panose="020B0503020204020204" charset="-122"/>
@@ -9451,9 +9451,9 @@
                         </a:rPr>
                         <a:t>140</a:t>
                       </a:r>
-                      <a:endParaRPr lang="zh-CN" altLang="en-US" sz="1400">
+                      <a:endParaRPr lang="en-US" altLang="zh-CN" sz="1400">
                         <a:solidFill>
-                          <a:srgbClr val="FF0000"/>
+                          <a:schemeClr val="tx1"/>
                         </a:solidFill>
                         <a:latin typeface="Times New Roman" panose="02020603050405020304" pitchFamily="18" charset="0"/>
                         <a:ea typeface="微软雅黑" panose="020B0503020204020204" charset="-122"/>
@@ -9472,7 +9472,7 @@
                       <a:r>
                         <a:rPr lang="en-US" altLang="zh-CN" sz="1400">
                           <a:solidFill>
-                            <a:srgbClr val="FF0000"/>
+                            <a:schemeClr val="tx1"/>
                           </a:solidFill>
                           <a:latin typeface="Times New Roman" panose="02020603050405020304" pitchFamily="18" charset="0"/>
                           <a:ea typeface="微软雅黑" panose="020B0503020204020204" charset="-122"/>
@@ -9480,9 +9480,9 @@
                         </a:rPr>
                         <a:t>300</a:t>
                       </a:r>
-                      <a:endParaRPr lang="zh-CN" altLang="en-US" sz="1400">
+                      <a:endParaRPr lang="en-US" altLang="zh-CN" sz="1400">
                         <a:solidFill>
-                          <a:srgbClr val="FF0000"/>
+                          <a:schemeClr val="tx1"/>
                         </a:solidFill>
                         <a:latin typeface="Times New Roman" panose="02020603050405020304" pitchFamily="18" charset="0"/>
                         <a:ea typeface="微软雅黑" panose="020B0503020204020204" charset="-122"/>
@@ -9501,7 +9501,7 @@
                       <a:r>
                         <a:rPr lang="en-US" altLang="zh-CN" sz="1400">
                           <a:solidFill>
-                            <a:srgbClr val="FF0000"/>
+                            <a:schemeClr val="tx1"/>
                           </a:solidFill>
                           <a:latin typeface="Times New Roman" panose="02020603050405020304" pitchFamily="18" charset="0"/>
                           <a:ea typeface="微软雅黑" panose="020B0503020204020204" charset="-122"/>
@@ -9509,9 +9509,9 @@
                         </a:rPr>
                         <a:t>1</a:t>
                       </a:r>
-                      <a:endParaRPr lang="zh-CN" altLang="en-US" sz="1400">
+                      <a:endParaRPr lang="en-US" altLang="zh-CN" sz="1400">
                         <a:solidFill>
-                          <a:srgbClr val="FF0000"/>
+                          <a:schemeClr val="tx1"/>
                         </a:solidFill>
                         <a:latin typeface="Times New Roman" panose="02020603050405020304" pitchFamily="18" charset="0"/>
                         <a:ea typeface="微软雅黑" panose="020B0503020204020204" charset="-122"/>
@@ -9634,7 +9634,7 @@
         <p:spPr>
           <a:xfrm>
             <a:off x="1642288" y="5233834"/>
-            <a:ext cx="8907422" cy="646331"/>
+            <a:ext cx="8907422" cy="645160"/>
           </a:xfrm>
           <a:prstGeom prst="rect">
             <a:avLst/>
@@ -9695,7 +9695,7 @@
                 <a:ea typeface="微软雅黑" panose="020B0503020204020204" charset="-122"/>
                 <a:cs typeface="Times New Roman" panose="02020603050405020304" pitchFamily="18" charset="0"/>
               </a:rPr>
-              <a:t>Case1</a:t>
+              <a:t>Case</a:t>
             </a:r>
             <a:r>
               <a:rPr kumimoji="0" lang="zh-CN" altLang="en-US" sz="1800" b="0" i="0" u="none" strike="noStrike" kern="1200" cap="none" spc="0" normalizeH="0" baseline="0" noProof="0">
